--- a/NurieBoard/누리에읶키.pptx
+++ b/NurieBoard/누리에읶키.pptx
@@ -246,7 +246,7 @@
           <a:p>
             <a:fld id="{2A439B43-6E9B-4EA9-966F-14B7B12B28F2}" type="datetimeFigureOut">
               <a:rPr lang="ko-KR" altLang="en-US" smtClean="0"/>
-              <a:t>2016-07-25</a:t>
+              <a:t>2016-07-30</a:t>
             </a:fld>
             <a:endParaRPr lang="ko-KR" altLang="en-US"/>
           </a:p>
@@ -416,7 +416,7 @@
           <a:p>
             <a:fld id="{2A439B43-6E9B-4EA9-966F-14B7B12B28F2}" type="datetimeFigureOut">
               <a:rPr lang="ko-KR" altLang="en-US" smtClean="0"/>
-              <a:t>2016-07-25</a:t>
+              <a:t>2016-07-30</a:t>
             </a:fld>
             <a:endParaRPr lang="ko-KR" altLang="en-US"/>
           </a:p>
@@ -596,7 +596,7 @@
           <a:p>
             <a:fld id="{2A439B43-6E9B-4EA9-966F-14B7B12B28F2}" type="datetimeFigureOut">
               <a:rPr lang="ko-KR" altLang="en-US" smtClean="0"/>
-              <a:t>2016-07-25</a:t>
+              <a:t>2016-07-30</a:t>
             </a:fld>
             <a:endParaRPr lang="ko-KR" altLang="en-US"/>
           </a:p>
@@ -766,7 +766,7 @@
           <a:p>
             <a:fld id="{2A439B43-6E9B-4EA9-966F-14B7B12B28F2}" type="datetimeFigureOut">
               <a:rPr lang="ko-KR" altLang="en-US" smtClean="0"/>
-              <a:t>2016-07-25</a:t>
+              <a:t>2016-07-30</a:t>
             </a:fld>
             <a:endParaRPr lang="ko-KR" altLang="en-US"/>
           </a:p>
@@ -1010,7 +1010,7 @@
           <a:p>
             <a:fld id="{2A439B43-6E9B-4EA9-966F-14B7B12B28F2}" type="datetimeFigureOut">
               <a:rPr lang="ko-KR" altLang="en-US" smtClean="0"/>
-              <a:t>2016-07-25</a:t>
+              <a:t>2016-07-30</a:t>
             </a:fld>
             <a:endParaRPr lang="ko-KR" altLang="en-US"/>
           </a:p>
@@ -1242,7 +1242,7 @@
           <a:p>
             <a:fld id="{2A439B43-6E9B-4EA9-966F-14B7B12B28F2}" type="datetimeFigureOut">
               <a:rPr lang="ko-KR" altLang="en-US" smtClean="0"/>
-              <a:t>2016-07-25</a:t>
+              <a:t>2016-07-30</a:t>
             </a:fld>
             <a:endParaRPr lang="ko-KR" altLang="en-US"/>
           </a:p>
@@ -1609,7 +1609,7 @@
           <a:p>
             <a:fld id="{2A439B43-6E9B-4EA9-966F-14B7B12B28F2}" type="datetimeFigureOut">
               <a:rPr lang="ko-KR" altLang="en-US" smtClean="0"/>
-              <a:t>2016-07-25</a:t>
+              <a:t>2016-07-30</a:t>
             </a:fld>
             <a:endParaRPr lang="ko-KR" altLang="en-US"/>
           </a:p>
@@ -1727,7 +1727,7 @@
           <a:p>
             <a:fld id="{2A439B43-6E9B-4EA9-966F-14B7B12B28F2}" type="datetimeFigureOut">
               <a:rPr lang="ko-KR" altLang="en-US" smtClean="0"/>
-              <a:t>2016-07-25</a:t>
+              <a:t>2016-07-30</a:t>
             </a:fld>
             <a:endParaRPr lang="ko-KR" altLang="en-US"/>
           </a:p>
@@ -1822,7 +1822,7 @@
           <a:p>
             <a:fld id="{2A439B43-6E9B-4EA9-966F-14B7B12B28F2}" type="datetimeFigureOut">
               <a:rPr lang="ko-KR" altLang="en-US" smtClean="0"/>
-              <a:t>2016-07-25</a:t>
+              <a:t>2016-07-30</a:t>
             </a:fld>
             <a:endParaRPr lang="ko-KR" altLang="en-US"/>
           </a:p>
@@ -2099,7 +2099,7 @@
           <a:p>
             <a:fld id="{2A439B43-6E9B-4EA9-966F-14B7B12B28F2}" type="datetimeFigureOut">
               <a:rPr lang="ko-KR" altLang="en-US" smtClean="0"/>
-              <a:t>2016-07-25</a:t>
+              <a:t>2016-07-30</a:t>
             </a:fld>
             <a:endParaRPr lang="ko-KR" altLang="en-US"/>
           </a:p>
@@ -2356,7 +2356,7 @@
           <a:p>
             <a:fld id="{2A439B43-6E9B-4EA9-966F-14B7B12B28F2}" type="datetimeFigureOut">
               <a:rPr lang="ko-KR" altLang="en-US" smtClean="0"/>
-              <a:t>2016-07-25</a:t>
+              <a:t>2016-07-30</a:t>
             </a:fld>
             <a:endParaRPr lang="ko-KR" altLang="en-US"/>
           </a:p>
@@ -2569,7 +2569,7 @@
           <a:p>
             <a:fld id="{2A439B43-6E9B-4EA9-966F-14B7B12B28F2}" type="datetimeFigureOut">
               <a:rPr lang="ko-KR" altLang="en-US" smtClean="0"/>
-              <a:t>2016-07-25</a:t>
+              <a:t>2016-07-30</a:t>
             </a:fld>
             <a:endParaRPr lang="ko-KR" altLang="en-US"/>
           </a:p>
@@ -4101,7 +4101,7 @@
             </a:avLst>
           </a:prstGeom>
           <a:solidFill>
-            <a:schemeClr val="accent2"/>
+            <a:schemeClr val="accent6"/>
           </a:solidFill>
         </p:spPr>
         <p:style>
@@ -4311,7 +4311,7 @@
             </a:avLst>
           </a:prstGeom>
           <a:solidFill>
-            <a:srgbClr val="FF0000"/>
+            <a:schemeClr val="accent6"/>
           </a:solidFill>
         </p:spPr>
         <p:style>
@@ -4365,73 +4365,6 @@
               <a:rPr lang="en-US" altLang="ko-KR" sz="900" dirty="0" smtClean="0"/>
               <a:t>.</a:t>
             </a:r>
-          </a:p>
-        </p:txBody>
-      </p:sp>
-      <p:sp>
-        <p:nvSpPr>
-          <p:cNvPr id="19" name="설명선 1 18"/>
-          <p:cNvSpPr/>
-          <p:nvPr/>
-        </p:nvSpPr>
-        <p:spPr>
-          <a:xfrm flipH="1">
-            <a:off x="6804180" y="3458355"/>
-            <a:ext cx="1446440" cy="556692"/>
-          </a:xfrm>
-          <a:prstGeom prst="borderCallout1">
-            <a:avLst>
-              <a:gd name="adj1" fmla="val -14002"/>
-              <a:gd name="adj2" fmla="val 97412"/>
-              <a:gd name="adj3" fmla="val -61935"/>
-              <a:gd name="adj4" fmla="val 120094"/>
-            </a:avLst>
-          </a:prstGeom>
-        </p:spPr>
-        <p:style>
-          <a:lnRef idx="2">
-            <a:schemeClr val="accent1">
-              <a:shade val="50000"/>
-            </a:schemeClr>
-          </a:lnRef>
-          <a:fillRef idx="1">
-            <a:schemeClr val="accent1"/>
-          </a:fillRef>
-          <a:effectRef idx="0">
-            <a:schemeClr val="accent1"/>
-          </a:effectRef>
-          <a:fontRef idx="minor">
-            <a:schemeClr val="lt1"/>
-          </a:fontRef>
-        </p:style>
-        <p:txBody>
-          <a:bodyPr rtlCol="0" anchor="ctr"/>
-          <a:lstStyle/>
-          <a:p>
-            <a:r>
-              <a:rPr lang="ko-KR" altLang="en-US" sz="1050" b="1" dirty="0" smtClean="0"/>
-              <a:t>대표 사진</a:t>
-            </a:r>
-            <a:endParaRPr lang="en-US" altLang="ko-KR" sz="1050" b="1" dirty="0" smtClean="0"/>
-          </a:p>
-          <a:p>
-            <a:r>
-              <a:rPr lang="ko-KR" altLang="en-US" sz="900" dirty="0" smtClean="0"/>
-              <a:t>문서를 대표하는 대표 사진</a:t>
-            </a:r>
-            <a:r>
-              <a:rPr lang="en-US" altLang="ko-KR" sz="900" dirty="0" smtClean="0"/>
-              <a:t>. </a:t>
-            </a:r>
-            <a:r>
-              <a:rPr lang="ko-KR" altLang="en-US" sz="900" dirty="0" smtClean="0"/>
-              <a:t>선택사항이다</a:t>
-            </a:r>
-            <a:r>
-              <a:rPr lang="en-US" altLang="ko-KR" sz="900" dirty="0" smtClean="0"/>
-              <a:t>.</a:t>
-            </a:r>
-            <a:endParaRPr lang="ko-KR" altLang="en-US" sz="900" dirty="0"/>
           </a:p>
         </p:txBody>
       </p:sp>
@@ -4587,7 +4520,7 @@
             </a:avLst>
           </a:prstGeom>
           <a:solidFill>
-            <a:srgbClr val="FF0000"/>
+            <a:schemeClr val="accent6"/>
           </a:solidFill>
         </p:spPr>
         <p:style>
@@ -4664,7 +4597,7 @@
             </a:avLst>
           </a:prstGeom>
           <a:solidFill>
-            <a:srgbClr val="FF0000"/>
+            <a:schemeClr val="accent6"/>
           </a:solidFill>
         </p:spPr>
         <p:style>
@@ -4741,7 +4674,7 @@
             </a:avLst>
           </a:prstGeom>
           <a:solidFill>
-            <a:srgbClr val="FF0000"/>
+            <a:schemeClr val="accent6"/>
           </a:solidFill>
         </p:spPr>
         <p:style>
@@ -5225,75 +5158,8 @@
               <a:gd name="adj4" fmla="val -42547"/>
             </a:avLst>
           </a:prstGeom>
-        </p:spPr>
-        <p:style>
-          <a:lnRef idx="2">
-            <a:schemeClr val="accent1">
-              <a:shade val="50000"/>
-            </a:schemeClr>
-          </a:lnRef>
-          <a:fillRef idx="1">
-            <a:schemeClr val="accent1"/>
-          </a:fillRef>
-          <a:effectRef idx="0">
-            <a:schemeClr val="accent1"/>
-          </a:effectRef>
-          <a:fontRef idx="minor">
-            <a:schemeClr val="lt1"/>
-          </a:fontRef>
-        </p:style>
-        <p:txBody>
-          <a:bodyPr rtlCol="0" anchor="ctr"/>
-          <a:lstStyle/>
-          <a:p>
-            <a:r>
-              <a:rPr lang="ko-KR" altLang="en-US" sz="1050" b="1" dirty="0" smtClean="0"/>
-              <a:t>위키 문법 </a:t>
-            </a:r>
-            <a:r>
-              <a:rPr lang="en-US" altLang="ko-KR" sz="1050" b="1" dirty="0" smtClean="0"/>
-              <a:t>: </a:t>
-            </a:r>
-            <a:r>
-              <a:rPr lang="ko-KR" altLang="en-US" sz="1050" b="1" dirty="0" smtClean="0"/>
-              <a:t>인용문</a:t>
-            </a:r>
-            <a:endParaRPr lang="en-US" altLang="ko-KR" sz="1050" dirty="0" smtClean="0"/>
-          </a:p>
-          <a:p>
-            <a:r>
-              <a:rPr lang="ko-KR" altLang="en-US" sz="900" dirty="0" smtClean="0"/>
-              <a:t>다른 작품 등에서 인용할 때 사용함</a:t>
-            </a:r>
-            <a:r>
-              <a:rPr lang="en-US" altLang="ko-KR" sz="900" dirty="0" smtClean="0"/>
-              <a:t>.</a:t>
-            </a:r>
-            <a:endParaRPr lang="ko-KR" altLang="en-US" sz="900" dirty="0"/>
-          </a:p>
-        </p:txBody>
-      </p:sp>
-      <p:sp>
-        <p:nvSpPr>
-          <p:cNvPr id="10" name="설명선 1 9"/>
-          <p:cNvSpPr/>
-          <p:nvPr/>
-        </p:nvSpPr>
-        <p:spPr>
-          <a:xfrm flipH="1">
-            <a:off x="6411884" y="1041382"/>
-            <a:ext cx="1446440" cy="1205345"/>
-          </a:xfrm>
-          <a:prstGeom prst="borderCallout1">
-            <a:avLst>
-              <a:gd name="adj1" fmla="val 30112"/>
-              <a:gd name="adj2" fmla="val 106033"/>
-              <a:gd name="adj3" fmla="val 34264"/>
-              <a:gd name="adj4" fmla="val 125266"/>
-            </a:avLst>
-          </a:prstGeom>
           <a:solidFill>
-            <a:schemeClr val="accent2"/>
+            <a:schemeClr val="accent6"/>
           </a:solidFill>
         </p:spPr>
         <p:style>
@@ -5326,119 +5192,44 @@
             </a:r>
             <a:r>
               <a:rPr lang="ko-KR" altLang="en-US" sz="1050" b="1" dirty="0" smtClean="0"/>
-              <a:t>글자 모양</a:t>
-            </a:r>
-            <a:endParaRPr lang="en-US" altLang="ko-KR" sz="1050" b="1" dirty="0" smtClean="0"/>
+              <a:t>인용문</a:t>
+            </a:r>
+            <a:endParaRPr lang="en-US" altLang="ko-KR" sz="1050" dirty="0" smtClean="0"/>
           </a:p>
           <a:p>
             <a:r>
               <a:rPr lang="ko-KR" altLang="en-US" sz="900" dirty="0" smtClean="0"/>
-              <a:t>굵게 </a:t>
-            </a:r>
-            <a:r>
-              <a:rPr lang="en-US" altLang="ko-KR" sz="900" dirty="0" smtClean="0"/>
-              <a:t>/ </a:t>
-            </a:r>
-            <a:r>
-              <a:rPr lang="ko-KR" altLang="en-US" sz="900" dirty="0" smtClean="0"/>
-              <a:t>기울임 </a:t>
-            </a:r>
-            <a:r>
-              <a:rPr lang="en-US" altLang="ko-KR" sz="900" dirty="0" smtClean="0"/>
-              <a:t>/ </a:t>
-            </a:r>
-            <a:r>
-              <a:rPr lang="ko-KR" altLang="en-US" sz="900" dirty="0" smtClean="0"/>
-              <a:t>밑줄 지원</a:t>
-            </a:r>
-            <a:endParaRPr lang="en-US" altLang="ko-KR" sz="900" dirty="0" smtClean="0"/>
-          </a:p>
-          <a:p>
-            <a:r>
-              <a:rPr lang="ko-KR" altLang="en-US" sz="900" dirty="0" smtClean="0"/>
-              <a:t>텍스트 크기 조정 지원</a:t>
+              <a:t>다른 작품 등에서 인용할 때 사용함</a:t>
             </a:r>
             <a:r>
               <a:rPr lang="en-US" altLang="ko-KR" sz="900" dirty="0" smtClean="0"/>
               <a:t>.</a:t>
             </a:r>
-          </a:p>
-          <a:p>
-            <a:r>
-              <a:rPr lang="ko-KR" altLang="en-US" sz="900" dirty="0" smtClean="0"/>
-              <a:t>텍스트 색상 변경 지원</a:t>
-            </a:r>
-            <a:r>
-              <a:rPr lang="en-US" altLang="ko-KR" sz="900" dirty="0" smtClean="0"/>
-              <a:t>.(RGB</a:t>
-            </a:r>
-            <a:r>
-              <a:rPr lang="ko-KR" altLang="en-US" sz="900" dirty="0" smtClean="0"/>
-              <a:t>값</a:t>
-            </a:r>
-            <a:r>
-              <a:rPr lang="en-US" altLang="ko-KR" sz="900" dirty="0" smtClean="0"/>
-              <a:t>, CSS </a:t>
-            </a:r>
-            <a:r>
-              <a:rPr lang="ko-KR" altLang="en-US" sz="900" dirty="0" smtClean="0"/>
-              <a:t>웹 색상 코드</a:t>
-            </a:r>
-            <a:r>
-              <a:rPr lang="en-US" altLang="ko-KR" sz="900" dirty="0" smtClean="0"/>
-              <a:t>)</a:t>
-            </a:r>
-          </a:p>
-          <a:p>
-            <a:r>
-              <a:rPr lang="ko-KR" altLang="en-US" sz="900" dirty="0" smtClean="0"/>
-              <a:t>가운데 정렬 </a:t>
-            </a:r>
-            <a:r>
-              <a:rPr lang="en-US" altLang="ko-KR" sz="900" dirty="0" smtClean="0"/>
-              <a:t>/ </a:t>
-            </a:r>
-            <a:r>
-              <a:rPr lang="ko-KR" altLang="en-US" sz="900" dirty="0" smtClean="0"/>
-              <a:t>왼쪽 정렬 </a:t>
-            </a:r>
-            <a:r>
-              <a:rPr lang="en-US" altLang="ko-KR" sz="900" dirty="0" smtClean="0"/>
-              <a:t>/ </a:t>
-            </a:r>
-            <a:r>
-              <a:rPr lang="ko-KR" altLang="en-US" sz="900" dirty="0" smtClean="0"/>
-              <a:t>우측 정렬 지원</a:t>
-            </a:r>
-            <a:r>
-              <a:rPr lang="en-US" altLang="ko-KR" sz="900" dirty="0" smtClean="0"/>
-              <a:t>.</a:t>
-            </a:r>
             <a:endParaRPr lang="ko-KR" altLang="en-US" sz="900" dirty="0"/>
           </a:p>
         </p:txBody>
       </p:sp>
       <p:sp>
         <p:nvSpPr>
-          <p:cNvPr id="11" name="설명선 1 10"/>
+          <p:cNvPr id="10" name="설명선 1 9"/>
           <p:cNvSpPr/>
           <p:nvPr/>
         </p:nvSpPr>
         <p:spPr>
           <a:xfrm flipH="1">
-            <a:off x="-1729048" y="343111"/>
-            <a:ext cx="1446440" cy="446599"/>
+            <a:off x="6411884" y="1041382"/>
+            <a:ext cx="1446440" cy="1205345"/>
           </a:xfrm>
           <a:prstGeom prst="borderCallout1">
             <a:avLst>
-              <a:gd name="adj1" fmla="val 18750"/>
-              <a:gd name="adj2" fmla="val -8333"/>
-              <a:gd name="adj3" fmla="val 37208"/>
-              <a:gd name="adj4" fmla="val -42547"/>
+              <a:gd name="adj1" fmla="val 30112"/>
+              <a:gd name="adj2" fmla="val 106033"/>
+              <a:gd name="adj3" fmla="val 34264"/>
+              <a:gd name="adj4" fmla="val 125266"/>
             </a:avLst>
           </a:prstGeom>
           <a:solidFill>
-            <a:srgbClr val="FF0000"/>
+            <a:schemeClr val="accent6"/>
           </a:solidFill>
         </p:spPr>
         <p:style>
@@ -5471,42 +5262,120 @@
             </a:r>
             <a:r>
               <a:rPr lang="ko-KR" altLang="en-US" sz="1050" b="1" dirty="0" smtClean="0"/>
-              <a:t>세부 문단</a:t>
+              <a:t>글자 모양</a:t>
             </a:r>
             <a:endParaRPr lang="en-US" altLang="ko-KR" sz="1050" b="1" dirty="0" smtClean="0"/>
           </a:p>
           <a:p>
             <a:r>
               <a:rPr lang="ko-KR" altLang="en-US" sz="900" dirty="0" smtClean="0"/>
-              <a:t>문단 단계를 나눌 수 있어야 한다</a:t>
+              <a:t>굵게 </a:t>
+            </a:r>
+            <a:r>
+              <a:rPr lang="en-US" altLang="ko-KR" sz="900" dirty="0" smtClean="0"/>
+              <a:t>/ </a:t>
+            </a:r>
+            <a:r>
+              <a:rPr lang="ko-KR" altLang="en-US" sz="900" dirty="0" smtClean="0"/>
+              <a:t>기울임 </a:t>
+            </a:r>
+            <a:r>
+              <a:rPr lang="en-US" altLang="ko-KR" sz="900" dirty="0" smtClean="0"/>
+              <a:t>/ </a:t>
+            </a:r>
+            <a:r>
+              <a:rPr lang="ko-KR" altLang="en-US" sz="900" dirty="0" smtClean="0"/>
+              <a:t>밑줄 지원</a:t>
+            </a:r>
+            <a:endParaRPr lang="en-US" altLang="ko-KR" sz="900" dirty="0" smtClean="0"/>
+          </a:p>
+          <a:p>
+            <a:r>
+              <a:rPr lang="ko-KR" altLang="en-US" sz="900" dirty="0" smtClean="0"/>
+              <a:t>텍스트 크기 조정 지원</a:t>
             </a:r>
             <a:r>
               <a:rPr lang="en-US" altLang="ko-KR" sz="900" dirty="0" smtClean="0"/>
               <a:t>.</a:t>
             </a:r>
+          </a:p>
+          <a:p>
+            <a:r>
+              <a:rPr lang="ko-KR" altLang="en-US" sz="900" dirty="0" smtClean="0"/>
+              <a:t>텍스트 색상 변경 지원</a:t>
+            </a:r>
+            <a:r>
+              <a:rPr lang="en-US" altLang="ko-KR" sz="900" dirty="0" smtClean="0"/>
+              <a:t>.(RGB</a:t>
+            </a:r>
+            <a:r>
+              <a:rPr lang="ko-KR" altLang="en-US" sz="900" dirty="0" smtClean="0"/>
+              <a:t>값</a:t>
+            </a:r>
+            <a:r>
+              <a:rPr lang="en-US" altLang="ko-KR" sz="900" dirty="0" smtClean="0"/>
+              <a:t>, CSS </a:t>
+            </a:r>
+            <a:r>
+              <a:rPr lang="ko-KR" altLang="en-US" sz="900" dirty="0" smtClean="0"/>
+              <a:t>웹 색상 코드</a:t>
+            </a:r>
+            <a:r>
+              <a:rPr lang="en-US" altLang="ko-KR" sz="900" dirty="0" smtClean="0"/>
+              <a:t>)</a:t>
+            </a:r>
+          </a:p>
+          <a:p>
+            <a:r>
+              <a:rPr lang="ko-KR" altLang="en-US" sz="900" dirty="0" smtClean="0"/>
+              <a:t>가운데 정렬 </a:t>
+            </a:r>
+            <a:r>
+              <a:rPr lang="en-US" altLang="ko-KR" sz="900" dirty="0" smtClean="0"/>
+              <a:t>/ </a:t>
+            </a:r>
+            <a:r>
+              <a:rPr lang="ko-KR" altLang="en-US" sz="900" dirty="0" smtClean="0"/>
+              <a:t>왼쪽 정렬 </a:t>
+            </a:r>
+            <a:r>
+              <a:rPr lang="en-US" altLang="ko-KR" sz="900" dirty="0" smtClean="0"/>
+              <a:t>/ </a:t>
+            </a:r>
+            <a:r>
+              <a:rPr lang="ko-KR" altLang="en-US" sz="900" dirty="0" smtClean="0"/>
+              <a:t>우측 정렬 지원</a:t>
+            </a:r>
+            <a:r>
+              <a:rPr lang="en-US" altLang="ko-KR" sz="900" dirty="0" smtClean="0"/>
+              <a:t>.</a:t>
+            </a:r>
             <a:endParaRPr lang="ko-KR" altLang="en-US" sz="900" dirty="0"/>
           </a:p>
         </p:txBody>
       </p:sp>
       <p:sp>
         <p:nvSpPr>
-          <p:cNvPr id="12" name="설명선 1 11"/>
+          <p:cNvPr id="11" name="설명선 1 10"/>
           <p:cNvSpPr/>
           <p:nvPr/>
         </p:nvSpPr>
         <p:spPr>
           <a:xfrm flipH="1">
-            <a:off x="6411884" y="2379732"/>
-            <a:ext cx="1446440" cy="579600"/>
+            <a:off x="-1729048" y="343111"/>
+            <a:ext cx="1446440" cy="446599"/>
           </a:xfrm>
           <a:prstGeom prst="borderCallout1">
             <a:avLst>
-              <a:gd name="adj1" fmla="val 30112"/>
-              <a:gd name="adj2" fmla="val 106033"/>
-              <a:gd name="adj3" fmla="val -51943"/>
-              <a:gd name="adj4" fmla="val 137909"/>
+              <a:gd name="adj1" fmla="val 18750"/>
+              <a:gd name="adj2" fmla="val -8333"/>
+              <a:gd name="adj3" fmla="val 37208"/>
+              <a:gd name="adj4" fmla="val -42547"/>
             </a:avLst>
           </a:prstGeom>
+          <a:solidFill>
+            <a:schemeClr val="accent6"/>
+          </a:solidFill>
         </p:spPr>
         <p:style>
           <a:lnRef idx="2">
@@ -5538,30 +5407,14 @@
             </a:r>
             <a:r>
               <a:rPr lang="ko-KR" altLang="en-US" sz="1050" b="1" dirty="0" smtClean="0"/>
-              <a:t>글자 정렬</a:t>
+              <a:t>세부 문단</a:t>
             </a:r>
             <a:endParaRPr lang="en-US" altLang="ko-KR" sz="1050" b="1" dirty="0" smtClean="0"/>
           </a:p>
           <a:p>
             <a:r>
               <a:rPr lang="ko-KR" altLang="en-US" sz="900" dirty="0" smtClean="0"/>
-              <a:t>가운데 정렬 </a:t>
-            </a:r>
-            <a:r>
-              <a:rPr lang="en-US" altLang="ko-KR" sz="900" dirty="0" smtClean="0"/>
-              <a:t>/ </a:t>
-            </a:r>
-            <a:r>
-              <a:rPr lang="ko-KR" altLang="en-US" sz="900" dirty="0" smtClean="0"/>
-              <a:t>왼쪽 정렬 </a:t>
-            </a:r>
-            <a:r>
-              <a:rPr lang="en-US" altLang="ko-KR" sz="900" dirty="0" smtClean="0"/>
-              <a:t>/ </a:t>
-            </a:r>
-            <a:r>
-              <a:rPr lang="ko-KR" altLang="en-US" sz="900" dirty="0" smtClean="0"/>
-              <a:t>우측 정렬 지원</a:t>
+              <a:t>문단 단계를 나눌 수 있어야 한다</a:t>
             </a:r>
             <a:r>
               <a:rPr lang="en-US" altLang="ko-KR" sz="900" dirty="0" smtClean="0"/>

--- a/NurieBoard/누리에읶키.pptx
+++ b/NurieBoard/누리에읶키.pptx
@@ -9,6 +9,8 @@
     <p:sldId id="257" r:id="rId3"/>
     <p:sldId id="258" r:id="rId4"/>
     <p:sldId id="259" r:id="rId5"/>
+    <p:sldId id="260" r:id="rId6"/>
+    <p:sldId id="261" r:id="rId7"/>
   </p:sldIdLst>
   <p:sldSz cx="9144000" cy="6858000" type="screen4x3"/>
   <p:notesSz cx="6858000" cy="9144000"/>
@@ -246,7 +248,7 @@
           <a:p>
             <a:fld id="{2A439B43-6E9B-4EA9-966F-14B7B12B28F2}" type="datetimeFigureOut">
               <a:rPr lang="ko-KR" altLang="en-US" smtClean="0"/>
-              <a:t>2016-07-30</a:t>
+              <a:t>2016-08-06</a:t>
             </a:fld>
             <a:endParaRPr lang="ko-KR" altLang="en-US"/>
           </a:p>
@@ -416,7 +418,7 @@
           <a:p>
             <a:fld id="{2A439B43-6E9B-4EA9-966F-14B7B12B28F2}" type="datetimeFigureOut">
               <a:rPr lang="ko-KR" altLang="en-US" smtClean="0"/>
-              <a:t>2016-07-30</a:t>
+              <a:t>2016-08-06</a:t>
             </a:fld>
             <a:endParaRPr lang="ko-KR" altLang="en-US"/>
           </a:p>
@@ -596,7 +598,7 @@
           <a:p>
             <a:fld id="{2A439B43-6E9B-4EA9-966F-14B7B12B28F2}" type="datetimeFigureOut">
               <a:rPr lang="ko-KR" altLang="en-US" smtClean="0"/>
-              <a:t>2016-07-30</a:t>
+              <a:t>2016-08-06</a:t>
             </a:fld>
             <a:endParaRPr lang="ko-KR" altLang="en-US"/>
           </a:p>
@@ -766,7 +768,7 @@
           <a:p>
             <a:fld id="{2A439B43-6E9B-4EA9-966F-14B7B12B28F2}" type="datetimeFigureOut">
               <a:rPr lang="ko-KR" altLang="en-US" smtClean="0"/>
-              <a:t>2016-07-30</a:t>
+              <a:t>2016-08-06</a:t>
             </a:fld>
             <a:endParaRPr lang="ko-KR" altLang="en-US"/>
           </a:p>
@@ -1010,7 +1012,7 @@
           <a:p>
             <a:fld id="{2A439B43-6E9B-4EA9-966F-14B7B12B28F2}" type="datetimeFigureOut">
               <a:rPr lang="ko-KR" altLang="en-US" smtClean="0"/>
-              <a:t>2016-07-30</a:t>
+              <a:t>2016-08-06</a:t>
             </a:fld>
             <a:endParaRPr lang="ko-KR" altLang="en-US"/>
           </a:p>
@@ -1242,7 +1244,7 @@
           <a:p>
             <a:fld id="{2A439B43-6E9B-4EA9-966F-14B7B12B28F2}" type="datetimeFigureOut">
               <a:rPr lang="ko-KR" altLang="en-US" smtClean="0"/>
-              <a:t>2016-07-30</a:t>
+              <a:t>2016-08-06</a:t>
             </a:fld>
             <a:endParaRPr lang="ko-KR" altLang="en-US"/>
           </a:p>
@@ -1609,7 +1611,7 @@
           <a:p>
             <a:fld id="{2A439B43-6E9B-4EA9-966F-14B7B12B28F2}" type="datetimeFigureOut">
               <a:rPr lang="ko-KR" altLang="en-US" smtClean="0"/>
-              <a:t>2016-07-30</a:t>
+              <a:t>2016-08-06</a:t>
             </a:fld>
             <a:endParaRPr lang="ko-KR" altLang="en-US"/>
           </a:p>
@@ -1727,7 +1729,7 @@
           <a:p>
             <a:fld id="{2A439B43-6E9B-4EA9-966F-14B7B12B28F2}" type="datetimeFigureOut">
               <a:rPr lang="ko-KR" altLang="en-US" smtClean="0"/>
-              <a:t>2016-07-30</a:t>
+              <a:t>2016-08-06</a:t>
             </a:fld>
             <a:endParaRPr lang="ko-KR" altLang="en-US"/>
           </a:p>
@@ -1822,7 +1824,7 @@
           <a:p>
             <a:fld id="{2A439B43-6E9B-4EA9-966F-14B7B12B28F2}" type="datetimeFigureOut">
               <a:rPr lang="ko-KR" altLang="en-US" smtClean="0"/>
-              <a:t>2016-07-30</a:t>
+              <a:t>2016-08-06</a:t>
             </a:fld>
             <a:endParaRPr lang="ko-KR" altLang="en-US"/>
           </a:p>
@@ -2099,7 +2101,7 @@
           <a:p>
             <a:fld id="{2A439B43-6E9B-4EA9-966F-14B7B12B28F2}" type="datetimeFigureOut">
               <a:rPr lang="ko-KR" altLang="en-US" smtClean="0"/>
-              <a:t>2016-07-30</a:t>
+              <a:t>2016-08-06</a:t>
             </a:fld>
             <a:endParaRPr lang="ko-KR" altLang="en-US"/>
           </a:p>
@@ -2356,7 +2358,7 @@
           <a:p>
             <a:fld id="{2A439B43-6E9B-4EA9-966F-14B7B12B28F2}" type="datetimeFigureOut">
               <a:rPr lang="ko-KR" altLang="en-US" smtClean="0"/>
-              <a:t>2016-07-30</a:t>
+              <a:t>2016-08-06</a:t>
             </a:fld>
             <a:endParaRPr lang="ko-KR" altLang="en-US"/>
           </a:p>
@@ -2569,7 +2571,7 @@
           <a:p>
             <a:fld id="{2A439B43-6E9B-4EA9-966F-14B7B12B28F2}" type="datetimeFigureOut">
               <a:rPr lang="ko-KR" altLang="en-US" smtClean="0"/>
-              <a:t>2016-07-30</a:t>
+              <a:t>2016-08-06</a:t>
             </a:fld>
             <a:endParaRPr lang="ko-KR" altLang="en-US"/>
           </a:p>
@@ -6318,7 +6320,23 @@
           <a:p>
             <a:r>
               <a:rPr lang="ko-KR" altLang="en-US" dirty="0" smtClean="0"/>
-              <a:t>데이터 스키마</a:t>
+              <a:t>데이터 </a:t>
+            </a:r>
+            <a:r>
+              <a:rPr lang="ko-KR" altLang="en-US" dirty="0" smtClean="0"/>
+              <a:t>스키마</a:t>
+            </a:r>
+            <a:r>
+              <a:rPr lang="en-US" altLang="ko-KR" dirty="0" smtClean="0"/>
+              <a:t>(</a:t>
+            </a:r>
+            <a:r>
+              <a:rPr lang="ko-KR" altLang="en-US" dirty="0" smtClean="0"/>
+              <a:t>구</a:t>
+            </a:r>
+            <a:r>
+              <a:rPr lang="en-US" altLang="ko-KR" dirty="0" smtClean="0"/>
+              <a:t>)</a:t>
             </a:r>
             <a:endParaRPr lang="ko-KR" altLang="en-US" dirty="0"/>
           </a:p>
@@ -6432,6 +6450,637 @@
     <p:extLst>
       <p:ext uri="{BB962C8B-B14F-4D97-AF65-F5344CB8AC3E}">
         <p14:creationId xmlns:p14="http://schemas.microsoft.com/office/powerpoint/2010/main" val="3650424444"/>
+      </p:ext>
+    </p:extLst>
+  </p:cSld>
+  <p:clrMapOvr>
+    <a:masterClrMapping/>
+  </p:clrMapOvr>
+</p:sld>
+</file>
+
+<file path=ppt/slides/slide5.xml><?xml version="1.0" encoding="utf-8"?>
+<p:sld xmlns:a="http://schemas.openxmlformats.org/drawingml/2006/main" xmlns:r="http://schemas.openxmlformats.org/officeDocument/2006/relationships" xmlns:p="http://schemas.openxmlformats.org/presentationml/2006/main">
+  <p:cSld>
+    <p:spTree>
+      <p:nvGrpSpPr>
+        <p:cNvPr id="1" name=""/>
+        <p:cNvGrpSpPr/>
+        <p:nvPr/>
+      </p:nvGrpSpPr>
+      <p:grpSpPr>
+        <a:xfrm>
+          <a:off x="0" y="0"/>
+          <a:ext cx="0" cy="0"/>
+          <a:chOff x="0" y="0"/>
+          <a:chExt cx="0" cy="0"/>
+        </a:xfrm>
+      </p:grpSpPr>
+      <p:sp>
+        <p:nvSpPr>
+          <p:cNvPr id="2" name="제목 1"/>
+          <p:cNvSpPr>
+            <a:spLocks noGrp="1"/>
+          </p:cNvSpPr>
+          <p:nvPr>
+            <p:ph type="title"/>
+          </p:nvPr>
+        </p:nvSpPr>
+        <p:spPr/>
+        <p:txBody>
+          <a:bodyPr/>
+          <a:lstStyle/>
+          <a:p>
+            <a:r>
+              <a:rPr lang="ko-KR" altLang="en-US" dirty="0" smtClean="0"/>
+              <a:t>데이터 스키마</a:t>
+            </a:r>
+            <a:r>
+              <a:rPr lang="en-US" altLang="ko-KR" dirty="0" smtClean="0"/>
+              <a:t>(</a:t>
+            </a:r>
+            <a:r>
+              <a:rPr lang="ko-KR" altLang="en-US" dirty="0" smtClean="0"/>
+              <a:t>신</a:t>
+            </a:r>
+            <a:r>
+              <a:rPr lang="en-US" altLang="ko-KR" dirty="0" smtClean="0"/>
+              <a:t>)</a:t>
+            </a:r>
+            <a:endParaRPr lang="ko-KR" altLang="en-US" dirty="0"/>
+          </a:p>
+        </p:txBody>
+      </p:sp>
+      <p:sp>
+        <p:nvSpPr>
+          <p:cNvPr id="3" name="내용 개체 틀 2"/>
+          <p:cNvSpPr>
+            <a:spLocks noGrp="1"/>
+          </p:cNvSpPr>
+          <p:nvPr>
+            <p:ph idx="1"/>
+          </p:nvPr>
+        </p:nvSpPr>
+        <p:spPr/>
+        <p:txBody>
+          <a:bodyPr>
+            <a:normAutofit lnSpcReduction="10000"/>
+          </a:bodyPr>
+          <a:lstStyle/>
+          <a:p>
+            <a:r>
+              <a:rPr lang="en-US" altLang="ko-KR" dirty="0" smtClean="0"/>
+              <a:t>Index</a:t>
+            </a:r>
+          </a:p>
+          <a:p>
+            <a:pPr lvl="1"/>
+            <a:r>
+              <a:rPr lang="ko-KR" altLang="en-US" dirty="0" smtClean="0"/>
+              <a:t>문서의 </a:t>
+            </a:r>
+            <a:r>
+              <a:rPr lang="en-US" altLang="ko-KR" dirty="0" smtClean="0"/>
+              <a:t>key</a:t>
+            </a:r>
+            <a:r>
+              <a:rPr lang="ko-KR" altLang="en-US" dirty="0" smtClean="0"/>
+              <a:t>인 표제어들이 모인 </a:t>
+            </a:r>
+            <a:r>
+              <a:rPr lang="en-US" altLang="ko-KR" dirty="0" smtClean="0"/>
+              <a:t>sorted set.</a:t>
+            </a:r>
+          </a:p>
+          <a:p>
+            <a:r>
+              <a:rPr lang="ko-KR" altLang="en-US" dirty="0" smtClean="0"/>
+              <a:t>문서</a:t>
+            </a:r>
+            <a:endParaRPr lang="en-US" altLang="ko-KR" dirty="0" smtClean="0"/>
+          </a:p>
+          <a:p>
+            <a:pPr lvl="1"/>
+            <a:r>
+              <a:rPr lang="ko-KR" altLang="en-US" dirty="0" smtClean="0"/>
+              <a:t>표제어가 </a:t>
+            </a:r>
+            <a:r>
+              <a:rPr lang="en-US" altLang="ko-KR" dirty="0" smtClean="0"/>
+              <a:t>Key. </a:t>
+            </a:r>
+            <a:r>
+              <a:rPr lang="ko-KR" altLang="en-US" dirty="0" smtClean="0"/>
+              <a:t>내용은 개요</a:t>
+            </a:r>
+            <a:r>
+              <a:rPr lang="en-US" altLang="ko-KR" dirty="0" smtClean="0"/>
+              <a:t>(Describe)</a:t>
+            </a:r>
+            <a:r>
+              <a:rPr lang="ko-KR" altLang="en-US" dirty="0" smtClean="0"/>
+              <a:t>뿐</a:t>
+            </a:r>
+            <a:r>
+              <a:rPr lang="en-US" altLang="ko-KR" dirty="0" smtClean="0"/>
+              <a:t>.</a:t>
+            </a:r>
+          </a:p>
+          <a:p>
+            <a:r>
+              <a:rPr lang="ko-KR" altLang="en-US" dirty="0" smtClean="0"/>
+              <a:t>표제어</a:t>
+            </a:r>
+            <a:r>
+              <a:rPr lang="en-US" altLang="ko-KR" dirty="0" smtClean="0"/>
+              <a:t>:</a:t>
+            </a:r>
+            <a:r>
+              <a:rPr lang="en-US" altLang="ko-KR" dirty="0" err="1" smtClean="0"/>
+              <a:t>subdoc</a:t>
+            </a:r>
+            <a:endParaRPr lang="en-US" altLang="ko-KR" dirty="0" smtClean="0"/>
+          </a:p>
+          <a:p>
+            <a:pPr lvl="1"/>
+            <a:r>
+              <a:rPr lang="ko-KR" altLang="en-US" dirty="0" smtClean="0"/>
+              <a:t>문단</a:t>
+            </a:r>
+            <a:r>
+              <a:rPr lang="en-US" altLang="ko-KR" dirty="0" smtClean="0"/>
+              <a:t>(</a:t>
+            </a:r>
+            <a:r>
+              <a:rPr lang="en-US" altLang="ko-KR" dirty="0" err="1" smtClean="0"/>
+              <a:t>subdoc</a:t>
+            </a:r>
+            <a:r>
+              <a:rPr lang="en-US" altLang="ko-KR" dirty="0" smtClean="0"/>
+              <a:t>) </a:t>
+            </a:r>
+            <a:r>
+              <a:rPr lang="ko-KR" altLang="en-US" dirty="0" smtClean="0"/>
+              <a:t>리스트</a:t>
+            </a:r>
+            <a:r>
+              <a:rPr lang="en-US" altLang="ko-KR" dirty="0" smtClean="0"/>
+              <a:t>. </a:t>
+            </a:r>
+            <a:r>
+              <a:rPr lang="en-US" altLang="ko-KR" dirty="0" err="1" smtClean="0"/>
+              <a:t>Subdoc</a:t>
+            </a:r>
+            <a:r>
+              <a:rPr lang="en-US" altLang="ko-KR" dirty="0" smtClean="0"/>
+              <a:t> ID</a:t>
+            </a:r>
+            <a:r>
+              <a:rPr lang="ko-KR" altLang="en-US" dirty="0" smtClean="0"/>
+              <a:t>의 리스트임</a:t>
+            </a:r>
+            <a:r>
+              <a:rPr lang="en-US" altLang="ko-KR" dirty="0" smtClean="0"/>
+              <a:t>.</a:t>
+            </a:r>
+          </a:p>
+          <a:p>
+            <a:r>
+              <a:rPr lang="ko-KR" altLang="en-US" dirty="0" smtClean="0"/>
+              <a:t>문단</a:t>
+            </a:r>
+            <a:r>
+              <a:rPr lang="en-US" altLang="ko-KR" dirty="0" smtClean="0"/>
+              <a:t>/</a:t>
+            </a:r>
+            <a:r>
+              <a:rPr lang="ko-KR" altLang="en-US" dirty="0" smtClean="0"/>
+              <a:t>표제어</a:t>
+            </a:r>
+            <a:r>
+              <a:rPr lang="en-US" altLang="ko-KR" dirty="0" smtClean="0"/>
+              <a:t>:Frame</a:t>
+            </a:r>
+          </a:p>
+          <a:p>
+            <a:pPr lvl="1"/>
+            <a:r>
+              <a:rPr lang="ko-KR" altLang="en-US" dirty="0" smtClean="0"/>
+              <a:t>문단</a:t>
+            </a:r>
+            <a:r>
+              <a:rPr lang="en-US" altLang="ko-KR" dirty="0" smtClean="0"/>
+              <a:t>/</a:t>
+            </a:r>
+            <a:r>
+              <a:rPr lang="ko-KR" altLang="en-US" dirty="0" smtClean="0"/>
+              <a:t>표제어에 사용된 </a:t>
+            </a:r>
+            <a:r>
+              <a:rPr lang="en-US" altLang="ko-KR" dirty="0" smtClean="0"/>
+              <a:t>Frame list. Frame ID</a:t>
+            </a:r>
+            <a:r>
+              <a:rPr lang="ko-KR" altLang="en-US" dirty="0" smtClean="0"/>
+              <a:t>를 지정함</a:t>
+            </a:r>
+            <a:r>
+              <a:rPr lang="en-US" altLang="ko-KR" dirty="0" smtClean="0"/>
+              <a:t>.</a:t>
+            </a:r>
+          </a:p>
+          <a:p>
+            <a:r>
+              <a:rPr lang="en-US" altLang="ko-KR" dirty="0" smtClean="0"/>
+              <a:t>Frame:</a:t>
+            </a:r>
+            <a:r>
+              <a:rPr lang="ko-KR" altLang="en-US" dirty="0" smtClean="0"/>
+              <a:t>제목 </a:t>
+            </a:r>
+            <a:r>
+              <a:rPr lang="en-US" altLang="ko-KR" dirty="0" smtClean="0"/>
+              <a:t>- </a:t>
+            </a:r>
+            <a:r>
+              <a:rPr lang="ko-KR" altLang="en-US" dirty="0" smtClean="0"/>
+              <a:t>틀</a:t>
+            </a:r>
+            <a:endParaRPr lang="en-US" altLang="ko-KR" dirty="0" smtClean="0"/>
+          </a:p>
+          <a:p>
+            <a:pPr lvl="1"/>
+            <a:r>
+              <a:rPr lang="en-US" altLang="ko-KR" dirty="0" smtClean="0"/>
+              <a:t>Full(</a:t>
+            </a:r>
+            <a:r>
+              <a:rPr lang="ko-KR" altLang="en-US" dirty="0" smtClean="0"/>
+              <a:t>전체</a:t>
+            </a:r>
+            <a:r>
+              <a:rPr lang="en-US" altLang="ko-KR" dirty="0" smtClean="0"/>
+              <a:t>) / Simple(</a:t>
+            </a:r>
+            <a:r>
+              <a:rPr lang="ko-KR" altLang="en-US" dirty="0" smtClean="0"/>
+              <a:t>간략</a:t>
+            </a:r>
+            <a:r>
+              <a:rPr lang="en-US" altLang="ko-KR" dirty="0" smtClean="0"/>
+              <a:t>) / Icon</a:t>
+            </a:r>
+            <a:r>
+              <a:rPr lang="ko-KR" altLang="en-US" dirty="0" smtClean="0"/>
+              <a:t>을 갖는 </a:t>
+            </a:r>
+            <a:r>
+              <a:rPr lang="en-US" altLang="ko-KR" dirty="0" err="1" smtClean="0"/>
+              <a:t>Hashmap</a:t>
+            </a:r>
+            <a:r>
+              <a:rPr lang="en-US" altLang="ko-KR" dirty="0" smtClean="0"/>
+              <a:t>.</a:t>
+            </a:r>
+          </a:p>
+        </p:txBody>
+      </p:sp>
+    </p:spTree>
+    <p:extLst>
+      <p:ext uri="{BB962C8B-B14F-4D97-AF65-F5344CB8AC3E}">
+        <p14:creationId xmlns:p14="http://schemas.microsoft.com/office/powerpoint/2010/main" val="679859021"/>
+      </p:ext>
+    </p:extLst>
+  </p:cSld>
+  <p:clrMapOvr>
+    <a:masterClrMapping/>
+  </p:clrMapOvr>
+</p:sld>
+</file>
+
+<file path=ppt/slides/slide6.xml><?xml version="1.0" encoding="utf-8"?>
+<p:sld xmlns:a="http://schemas.openxmlformats.org/drawingml/2006/main" xmlns:r="http://schemas.openxmlformats.org/officeDocument/2006/relationships" xmlns:p="http://schemas.openxmlformats.org/presentationml/2006/main">
+  <p:cSld>
+    <p:spTree>
+      <p:nvGrpSpPr>
+        <p:cNvPr id="1" name=""/>
+        <p:cNvGrpSpPr/>
+        <p:nvPr/>
+      </p:nvGrpSpPr>
+      <p:grpSpPr>
+        <a:xfrm>
+          <a:off x="0" y="0"/>
+          <a:ext cx="0" cy="0"/>
+          <a:chOff x="0" y="0"/>
+          <a:chExt cx="0" cy="0"/>
+        </a:xfrm>
+      </p:grpSpPr>
+      <p:sp>
+        <p:nvSpPr>
+          <p:cNvPr id="2" name="제목 1"/>
+          <p:cNvSpPr>
+            <a:spLocks noGrp="1"/>
+          </p:cNvSpPr>
+          <p:nvPr>
+            <p:ph type="title"/>
+          </p:nvPr>
+        </p:nvSpPr>
+        <p:spPr/>
+        <p:txBody>
+          <a:bodyPr/>
+          <a:lstStyle/>
+          <a:p>
+            <a:r>
+              <a:rPr lang="ko-KR" altLang="en-US" dirty="0" smtClean="0"/>
+              <a:t>데이터 스키마</a:t>
+            </a:r>
+            <a:r>
+              <a:rPr lang="en-US" altLang="ko-KR" dirty="0" smtClean="0"/>
+              <a:t>(</a:t>
+            </a:r>
+            <a:r>
+              <a:rPr lang="ko-KR" altLang="en-US" dirty="0" smtClean="0"/>
+              <a:t>신</a:t>
+            </a:r>
+            <a:r>
+              <a:rPr lang="en-US" altLang="ko-KR" dirty="0" smtClean="0"/>
+              <a:t>)-</a:t>
+            </a:r>
+            <a:r>
+              <a:rPr lang="ko-KR" altLang="en-US" dirty="0" err="1" smtClean="0"/>
+              <a:t>문단편</a:t>
+            </a:r>
+            <a:endParaRPr lang="ko-KR" altLang="en-US" dirty="0"/>
+          </a:p>
+        </p:txBody>
+      </p:sp>
+      <p:sp>
+        <p:nvSpPr>
+          <p:cNvPr id="3" name="내용 개체 틀 2"/>
+          <p:cNvSpPr>
+            <a:spLocks noGrp="1"/>
+          </p:cNvSpPr>
+          <p:nvPr>
+            <p:ph idx="1"/>
+          </p:nvPr>
+        </p:nvSpPr>
+        <p:spPr/>
+        <p:txBody>
+          <a:bodyPr>
+            <a:normAutofit fontScale="85000" lnSpcReduction="20000"/>
+          </a:bodyPr>
+          <a:lstStyle/>
+          <a:p>
+            <a:r>
+              <a:rPr lang="en-US" altLang="ko-KR" dirty="0" err="1"/>
+              <a:t>SubdocSize</a:t>
+            </a:r>
+            <a:endParaRPr lang="en-US" altLang="ko-KR" dirty="0"/>
+          </a:p>
+          <a:p>
+            <a:pPr lvl="1"/>
+            <a:r>
+              <a:rPr lang="ko-KR" altLang="en-US" dirty="0"/>
+              <a:t>현재 </a:t>
+            </a:r>
+            <a:r>
+              <a:rPr lang="en-US" altLang="ko-KR" dirty="0" err="1"/>
+              <a:t>subdoc</a:t>
+            </a:r>
+            <a:r>
+              <a:rPr lang="ko-KR" altLang="en-US" dirty="0"/>
+              <a:t>의 개수</a:t>
+            </a:r>
+            <a:r>
+              <a:rPr lang="en-US" altLang="ko-KR" dirty="0"/>
+              <a:t>. Key </a:t>
+            </a:r>
+            <a:r>
+              <a:rPr lang="ko-KR" altLang="en-US" dirty="0"/>
+              <a:t>생성에 쓰임</a:t>
+            </a:r>
+            <a:r>
+              <a:rPr lang="en-US" altLang="ko-KR" dirty="0"/>
+              <a:t>. String.</a:t>
+            </a:r>
+          </a:p>
+          <a:p>
+            <a:r>
+              <a:rPr lang="en-US" altLang="ko-KR" dirty="0" err="1"/>
+              <a:t>Sd</a:t>
+            </a:r>
+            <a:r>
+              <a:rPr lang="en-US" altLang="ko-KR" dirty="0"/>
+              <a:t>_(id)</a:t>
+            </a:r>
+          </a:p>
+          <a:p>
+            <a:pPr lvl="1"/>
+            <a:r>
+              <a:rPr lang="ko-KR" altLang="en-US" dirty="0"/>
+              <a:t>문단</a:t>
+            </a:r>
+            <a:r>
+              <a:rPr lang="en-US" altLang="ko-KR" dirty="0"/>
+              <a:t>. Subject(</a:t>
+            </a:r>
+            <a:r>
+              <a:rPr lang="ko-KR" altLang="en-US" dirty="0"/>
+              <a:t>제목</a:t>
+            </a:r>
+            <a:r>
+              <a:rPr lang="en-US" altLang="ko-KR" dirty="0"/>
+              <a:t>)</a:t>
+            </a:r>
+            <a:r>
+              <a:rPr lang="ko-KR" altLang="en-US" dirty="0"/>
+              <a:t>과 </a:t>
+            </a:r>
+            <a:r>
+              <a:rPr lang="en-US" altLang="ko-KR" dirty="0"/>
+              <a:t>content(</a:t>
+            </a:r>
+            <a:r>
+              <a:rPr lang="ko-KR" altLang="en-US" dirty="0"/>
+              <a:t>내용</a:t>
+            </a:r>
+            <a:r>
+              <a:rPr lang="en-US" altLang="ko-KR" dirty="0"/>
+              <a:t>)</a:t>
+            </a:r>
+            <a:r>
+              <a:rPr lang="ko-KR" altLang="en-US" dirty="0"/>
+              <a:t>으로 구성된 </a:t>
+            </a:r>
+            <a:r>
+              <a:rPr lang="en-US" altLang="ko-KR" dirty="0" err="1"/>
+              <a:t>Hashmap</a:t>
+            </a:r>
+            <a:r>
+              <a:rPr lang="en-US" altLang="ko-KR" dirty="0"/>
+              <a:t>.</a:t>
+            </a:r>
+          </a:p>
+          <a:p>
+            <a:r>
+              <a:rPr lang="ko-KR" altLang="en-US" dirty="0"/>
+              <a:t>문단</a:t>
+            </a:r>
+            <a:r>
+              <a:rPr lang="en-US" altLang="ko-KR" dirty="0"/>
+              <a:t>:</a:t>
+            </a:r>
+            <a:r>
+              <a:rPr lang="en-US" altLang="ko-KR" dirty="0" err="1"/>
+              <a:t>subdoc</a:t>
+            </a:r>
+            <a:endParaRPr lang="en-US" altLang="ko-KR" dirty="0"/>
+          </a:p>
+          <a:p>
+            <a:pPr lvl="1"/>
+            <a:r>
+              <a:rPr lang="ko-KR" altLang="en-US" dirty="0"/>
+              <a:t>문단 하위에 문단을 가질 수 있음</a:t>
+            </a:r>
+            <a:r>
+              <a:rPr lang="en-US" altLang="ko-KR" dirty="0" smtClean="0"/>
+              <a:t>.</a:t>
+            </a:r>
+          </a:p>
+          <a:p>
+            <a:r>
+              <a:rPr lang="ko-KR" altLang="en-US" dirty="0" smtClean="0"/>
+              <a:t>문단</a:t>
+            </a:r>
+            <a:r>
+              <a:rPr lang="en-US" altLang="ko-KR" dirty="0" smtClean="0"/>
+              <a:t>:</a:t>
+            </a:r>
+            <a:r>
+              <a:rPr lang="en-US" altLang="ko-KR" dirty="0" err="1" smtClean="0"/>
+              <a:t>reldoc</a:t>
+            </a:r>
+            <a:endParaRPr lang="en-US" altLang="ko-KR" dirty="0" smtClean="0"/>
+          </a:p>
+          <a:p>
+            <a:pPr lvl="1"/>
+            <a:r>
+              <a:rPr lang="ko-KR" altLang="en-US" dirty="0" smtClean="0"/>
+              <a:t>상위 문서 지정</a:t>
+            </a:r>
+            <a:r>
+              <a:rPr lang="en-US" altLang="ko-KR" dirty="0" smtClean="0"/>
+              <a:t>.</a:t>
+            </a:r>
+          </a:p>
+          <a:p>
+            <a:r>
+              <a:rPr lang="ko-KR" altLang="en-US" dirty="0" smtClean="0"/>
+              <a:t>문단</a:t>
+            </a:r>
+            <a:r>
+              <a:rPr lang="en-US" altLang="ko-KR" dirty="0" smtClean="0"/>
+              <a:t>:History</a:t>
+            </a:r>
+          </a:p>
+          <a:p>
+            <a:pPr lvl="1"/>
+            <a:r>
+              <a:rPr lang="ko-KR" altLang="en-US" dirty="0" smtClean="0"/>
+              <a:t>문단 편집 내용</a:t>
+            </a:r>
+            <a:r>
+              <a:rPr lang="en-US" altLang="ko-KR" dirty="0" smtClean="0"/>
+              <a:t>. Log</a:t>
+            </a:r>
+            <a:r>
+              <a:rPr lang="ko-KR" altLang="en-US" dirty="0" smtClean="0"/>
+              <a:t>들의 </a:t>
+            </a:r>
+            <a:r>
+              <a:rPr lang="ko-KR" altLang="en-US" dirty="0" err="1" smtClean="0"/>
+              <a:t>키값</a:t>
+            </a:r>
+            <a:r>
+              <a:rPr lang="ko-KR" altLang="en-US" dirty="0" smtClean="0"/>
+              <a:t> </a:t>
+            </a:r>
+            <a:r>
+              <a:rPr lang="en-US" altLang="ko-KR" dirty="0" smtClean="0"/>
+              <a:t>LIST.</a:t>
+            </a:r>
+          </a:p>
+          <a:p>
+            <a:r>
+              <a:rPr lang="ko-KR" altLang="en-US" dirty="0" smtClean="0"/>
+              <a:t>문단</a:t>
+            </a:r>
+            <a:r>
+              <a:rPr lang="en-US" altLang="ko-KR" dirty="0" smtClean="0"/>
+              <a:t>:Log(id)</a:t>
+            </a:r>
+          </a:p>
+          <a:p>
+            <a:pPr lvl="1"/>
+            <a:r>
+              <a:rPr lang="en-US" altLang="ko-KR" dirty="0" smtClean="0"/>
+              <a:t>Name(</a:t>
+            </a:r>
+            <a:r>
+              <a:rPr lang="ko-KR" altLang="en-US" dirty="0" err="1" smtClean="0"/>
+              <a:t>수정자</a:t>
+            </a:r>
+            <a:r>
+              <a:rPr lang="en-US" altLang="ko-KR" dirty="0" smtClean="0"/>
+              <a:t>) / modify(</a:t>
+            </a:r>
+            <a:r>
+              <a:rPr lang="ko-KR" altLang="en-US" dirty="0" err="1" smtClean="0"/>
+              <a:t>수정내용</a:t>
+            </a:r>
+            <a:r>
+              <a:rPr lang="en-US" altLang="ko-KR" dirty="0"/>
+              <a:t>)</a:t>
+            </a:r>
+            <a:r>
+              <a:rPr lang="en-US" altLang="ko-KR" dirty="0" smtClean="0"/>
+              <a:t> / time(</a:t>
+            </a:r>
+            <a:r>
+              <a:rPr lang="ko-KR" altLang="en-US" dirty="0" err="1" smtClean="0"/>
+              <a:t>수정시각</a:t>
+            </a:r>
+            <a:r>
+              <a:rPr lang="en-US" altLang="ko-KR" dirty="0" smtClean="0"/>
+              <a:t>) / comment(</a:t>
+            </a:r>
+            <a:r>
+              <a:rPr lang="ko-KR" altLang="en-US" dirty="0" smtClean="0"/>
+              <a:t>수정 코멘트</a:t>
+            </a:r>
+            <a:r>
+              <a:rPr lang="en-US" altLang="ko-KR" dirty="0" smtClean="0"/>
+              <a:t>)</a:t>
+            </a:r>
+            <a:r>
+              <a:rPr lang="ko-KR" altLang="en-US" dirty="0" smtClean="0"/>
+              <a:t>로 구성된 </a:t>
+            </a:r>
+            <a:r>
+              <a:rPr lang="en-US" altLang="ko-KR" dirty="0" err="1" smtClean="0"/>
+              <a:t>Hashmap</a:t>
+            </a:r>
+            <a:r>
+              <a:rPr lang="en-US" altLang="ko-KR" dirty="0" smtClean="0"/>
+              <a:t>.</a:t>
+            </a:r>
+          </a:p>
+        </p:txBody>
+      </p:sp>
+    </p:spTree>
+    <p:extLst>
+      <p:ext uri="{BB962C8B-B14F-4D97-AF65-F5344CB8AC3E}">
+        <p14:creationId xmlns:p14="http://schemas.microsoft.com/office/powerpoint/2010/main" val="274014747"/>
       </p:ext>
     </p:extLst>
   </p:cSld>

--- a/NurieBoard/누리에읶키.pptx
+++ b/NurieBoard/누리에읶키.pptx
@@ -6320,11 +6320,7 @@
           <a:p>
             <a:r>
               <a:rPr lang="ko-KR" altLang="en-US" dirty="0" smtClean="0"/>
-              <a:t>데이터 </a:t>
-            </a:r>
-            <a:r>
-              <a:rPr lang="ko-KR" altLang="en-US" dirty="0" smtClean="0"/>
-              <a:t>스키마</a:t>
+              <a:t>데이터 스키마</a:t>
             </a:r>
             <a:r>
               <a:rPr lang="en-US" altLang="ko-KR" dirty="0" smtClean="0"/>
@@ -6567,24 +6563,21 @@
             </a:r>
             <a:r>
               <a:rPr lang="en-US" altLang="ko-KR" dirty="0" smtClean="0"/>
-              <a:t>Key. </a:t>
+              <a:t>Key</a:t>
             </a:r>
             <a:r>
               <a:rPr lang="ko-KR" altLang="en-US" dirty="0" smtClean="0"/>
-              <a:t>내용은 개요</a:t>
-            </a:r>
-            <a:r>
-              <a:rPr lang="en-US" altLang="ko-KR" dirty="0" smtClean="0"/>
-              <a:t>(Describe)</a:t>
-            </a:r>
-            <a:r>
-              <a:rPr lang="ko-KR" altLang="en-US" dirty="0" smtClean="0"/>
-              <a:t>뿐</a:t>
-            </a:r>
-            <a:r>
-              <a:rPr lang="en-US" altLang="ko-KR" dirty="0" smtClean="0"/>
+              <a:t>인 </a:t>
+            </a:r>
+            <a:r>
+              <a:rPr lang="en-US" altLang="ko-KR" dirty="0" err="1" smtClean="0"/>
+              <a:t>Hashmap</a:t>
+            </a:r>
+            <a:r>
+              <a:rPr lang="en-US" altLang="ko-KR" smtClean="0"/>
               <a:t>.</a:t>
             </a:r>
+            <a:endParaRPr lang="en-US" altLang="ko-KR" dirty="0" smtClean="0"/>
           </a:p>
           <a:p>
             <a:r>
